--- a/outputs/slides/Monil_cc-lecture.pptx
+++ b/outputs/slides/Monil_cc-lecture.pptx
@@ -13,6 +13,7 @@
     <p:sldId id="261" r:id="rId12"/>
     <p:sldId id="262" r:id="rId13"/>
     <p:sldId id="263" r:id="rId14"/>
+    <p:sldId id="264" r:id="rId15"/>
   </p:sldIdLst>
   <p:sldSz cx="9144000" cy="6858000" type="screen4x3"/>
   <p:notesSz cx="6858000" cy="9144000"/>
@@ -3122,7 +3123,7 @@
               <a:defRPr sz="4400" b="1"/>
             </a:pPr>
             <a:r>
-              <a:t>Understanding Cloud Computing</a:t>
+              <a:t>Cloud Computing: An Overview</a:t>
             </a:r>
           </a:p>
         </p:txBody>
@@ -3146,7 +3147,7 @@
               <a:defRPr sz="2400" i="1"/>
             </a:pPr>
             <a:r>
-              <a:t>Cloud Computing Definition, Key Features, Service Models, Deployment Models, Advantages and Challenges, Real-World Applications, Future Trends</a:t>
+              <a:t>Meaning of Cloud Computing, Why Cloud Computing Matters, Key Features of Cloud Computing, Cloud Service Models, Cloud Deployment Models, Advantages of Cloud Computing, Challenges of Cloud Computing, R</a:t>
             </a:r>
           </a:p>
         </p:txBody>
@@ -3192,7 +3193,7 @@
               </a:defRPr>
             </a:pPr>
             <a:r>
-              <a:t>Introduction to Cloud Computing</a:t>
+              <a:t>What is Cloud Computing?</a:t>
             </a:r>
           </a:p>
         </p:txBody>
@@ -3220,7 +3221,7 @@
               </a:defRPr>
             </a:pPr>
             <a:r>
-              <a:t>Cloud computing is a widely used concept in modern technology.</a:t>
+              <a:t>Introduction to cloud computing's importance in modern technology.</a:t>
             </a:r>
           </a:p>
           <a:p>
@@ -3232,7 +3233,7 @@
               </a:defRPr>
             </a:pPr>
             <a:r>
-              <a:t>It involves delivering computing services over the internet.</a:t>
+              <a:t>Defined as the delivery of computing services over the internet.</a:t>
             </a:r>
           </a:p>
           <a:p>
@@ -3244,7 +3245,7 @@
               </a:defRPr>
             </a:pPr>
             <a:r>
-              <a:t>Users rent computing resources instead of buying and maintaining them.</a:t>
+              <a:t>Services include servers, storage, databases, networking, software, and AI.</a:t>
             </a:r>
           </a:p>
           <a:p>
@@ -3256,7 +3257,7 @@
               </a:defRPr>
             </a:pPr>
             <a:r>
-              <a:t>Analogy: paying for electricity without owning the power plant.</a:t>
+              <a:t>It's like renting computing resources instead of owning and maintaining them.</a:t>
             </a:r>
           </a:p>
           <a:p>
@@ -3268,7 +3269,7 @@
               </a:defRPr>
             </a:pPr>
             <a:r>
-              <a:t>Makes technology more affordable, scalable, and convenient.</a:t>
+              <a:t>Analogy: paying for electricity without owning the power plant.</a:t>
             </a:r>
           </a:p>
         </p:txBody>
@@ -3314,7 +3315,7 @@
               </a:defRPr>
             </a:pPr>
             <a:r>
-              <a:t>Key Characteristics of Cloud Computing</a:t>
+              <a:t>Core Features of Cloud Computing</a:t>
             </a:r>
           </a:p>
         </p:txBody>
@@ -3342,7 +3343,7 @@
               </a:defRPr>
             </a:pPr>
             <a:r>
-              <a:t>On-demand self-service: access resources without human interaction.</a:t>
+              <a:t>On-demand self-service: users access resources without human interaction.</a:t>
             </a:r>
           </a:p>
           <a:p>
@@ -3390,7 +3391,7 @@
               </a:defRPr>
             </a:pPr>
             <a:r>
-              <a:t>Measured service: usage is monitored and billed based on consumption.</a:t>
+              <a:t>Measured service: usage is monitored and billed according to resources consumed.</a:t>
             </a:r>
           </a:p>
         </p:txBody>
@@ -3436,7 +3437,7 @@
               </a:defRPr>
             </a:pPr>
             <a:r>
-              <a:t>Cloud Service Models</a:t>
+              <a:t>Cloud Service Models (IaaS, PaaS, SaaS)</a:t>
             </a:r>
           </a:p>
         </p:txBody>
@@ -3464,7 +3465,7 @@
               </a:defRPr>
             </a:pPr>
             <a:r>
-              <a:t>Infrastructure as a Service (IaaS): delivers fundamental computing resources (VMs, storage, networking).</a:t>
+              <a:t>Infrastructure as a Service (IaaS): delivers fundamental computing resources like virtual machines, storage, and networking (e.g., AWS EC2).</a:t>
             </a:r>
           </a:p>
           <a:p>
@@ -3476,7 +3477,7 @@
               </a:defRPr>
             </a:pPr>
             <a:r>
-              <a:t>Platform as a Service (PaaS): provides infrastructure plus a development platform with tools and frameworks.</a:t>
+              <a:t>Platform as a Service (PaaS): provides infrastructure plus a development platform for building applications (e.g., Google App Engine).</a:t>
             </a:r>
           </a:p>
           <a:p>
@@ -3488,19 +3489,7 @@
               </a:defRPr>
             </a:pPr>
             <a:r>
-              <a:t>Software as a Service (SaaS): delivers ready-to-use applications over the internet.</a:t>
-            </a:r>
-          </a:p>
-          <a:p>
-            <a:pPr>
-              <a:defRPr sz="2200">
-                <a:solidFill>
-                  <a:srgbClr val="003366"/>
-                </a:solidFill>
-              </a:defRPr>
-            </a:pPr>
-            <a:r>
-              <a:t>Examples: AWS EC2 (IaaS), Google App Engine (PaaS), Gmail/Microsoft 365 (SaaS).</a:t>
+              <a:t>Software as a Service (SaaS): delivers ready-to-use applications over the internet, accessed via a browser (e.g., Gmail, Microsoft 365, Zoom).</a:t>
             </a:r>
           </a:p>
         </p:txBody>
@@ -3574,7 +3563,7 @@
               </a:defRPr>
             </a:pPr>
             <a:r>
-              <a:t>Public Cloud: services shared by multiple organizations over the internet; cost-effective but may raise security concerns.</a:t>
+              <a:t>Public cloud: services delivered over the internet and shared by multiple organizations.</a:t>
             </a:r>
           </a:p>
           <a:p>
@@ -3586,7 +3575,7 @@
               </a:defRPr>
             </a:pPr>
             <a:r>
-              <a:t>Private Cloud: dedicated to a single organization; offers more control and security but can be more expensive.</a:t>
+              <a:t>Private cloud: dedicated to a single organization, offering more control and security.</a:t>
             </a:r>
           </a:p>
           <a:p>
@@ -3598,7 +3587,7 @@
               </a:defRPr>
             </a:pPr>
             <a:r>
-              <a:t>Hybrid Cloud: combines public and private clouds for flexibility and security balance.</a:t>
+              <a:t>Hybrid cloud: combines public and private clouds to balance flexibility with security.</a:t>
             </a:r>
           </a:p>
           <a:p>
@@ -3610,7 +3599,7 @@
               </a:defRPr>
             </a:pPr>
             <a:r>
-              <a:t>Community Cloud: shared by several organizations with common goals (e.g., healthcare, education).</a:t>
+              <a:t>Community cloud: shared by several organizations with common goals or requirements.</a:t>
             </a:r>
           </a:p>
         </p:txBody>
@@ -3656,7 +3645,7 @@
               </a:defRPr>
             </a:pPr>
             <a:r>
-              <a:t>Advantages and Challenges</a:t>
+              <a:t>Benefits of Cloud Adoption</a:t>
             </a:r>
           </a:p>
         </p:txBody>
@@ -3684,7 +3673,7 @@
               </a:defRPr>
             </a:pPr>
             <a:r>
-              <a:t>Advantages: reduced costs, improved scalability, enhanced flexibility, reliability, and support for innovation.</a:t>
+              <a:t>Reduces costs by eliminating heavy investment in hardware, maintenance, or data centers.</a:t>
             </a:r>
           </a:p>
           <a:p>
@@ -3696,7 +3685,7 @@
               </a:defRPr>
             </a:pPr>
             <a:r>
-              <a:t>Challenges: security and privacy concerns due to remote data storage.</a:t>
+              <a:t>Improves scalability, allowing businesses to easily expand or reduce resources during peak times.</a:t>
             </a:r>
           </a:p>
           <a:p>
@@ -3708,7 +3697,7 @@
               </a:defRPr>
             </a:pPr>
             <a:r>
-              <a:t>Challenges: potential downtime affecting access to critical resources.</a:t>
+              <a:t>Enhances flexibility, enabling employees to access applications and data from anywhere.</a:t>
             </a:r>
           </a:p>
           <a:p>
@@ -3720,7 +3709,7 @@
               </a:defRPr>
             </a:pPr>
             <a:r>
-              <a:t>Challenges: compliance with industry-specific regulations.</a:t>
+              <a:t>Provides reliability through backup, disaster recovery, and high availability from providers.</a:t>
             </a:r>
           </a:p>
           <a:p>
@@ -3732,7 +3721,7 @@
               </a:defRPr>
             </a:pPr>
             <a:r>
-              <a:t>Challenges: vendor lock-in and performance concerns for high-speed applications.</a:t>
+              <a:t>Supports innovation, allowing faster experimentation and deployment of solutions.</a:t>
             </a:r>
           </a:p>
         </p:txBody>
@@ -3778,7 +3767,7 @@
               </a:defRPr>
             </a:pPr>
             <a:r>
-              <a:t>Real-World Applications</a:t>
+              <a:t>Potential Challenges and Concerns</a:t>
             </a:r>
           </a:p>
         </p:txBody>
@@ -3806,7 +3795,7 @@
               </a:defRPr>
             </a:pPr>
             <a:r>
-              <a:t>Data storage and backup (Google Drive, Dropbox).</a:t>
+              <a:t>Security and privacy: trusting providers to protect sensitive data stored on remote servers.</a:t>
             </a:r>
           </a:p>
           <a:p>
@@ -3818,7 +3807,7 @@
               </a:defRPr>
             </a:pPr>
             <a:r>
-              <a:t>Business collaboration (Slack, Microsoft Teams).</a:t>
+              <a:t>Downtime: outages can affect access to critical resources due to internet dependency.</a:t>
             </a:r>
           </a:p>
           <a:p>
@@ -3830,7 +3819,7 @@
               </a:defRPr>
             </a:pPr>
             <a:r>
-              <a:t>Entertainment streaming (Netflix, Spotify).</a:t>
+              <a:t>Compliance: adherence to strict regulations for data storage in certain industries.</a:t>
             </a:r>
           </a:p>
           <a:p>
@@ -3842,7 +3831,7 @@
               </a:defRPr>
             </a:pPr>
             <a:r>
-              <a:t>Healthcare (EHR, telemedicine, AI diagnosis).</a:t>
+              <a:t>Vendor lock-in: difficulty and cost associated with switching cloud providers.</a:t>
             </a:r>
           </a:p>
           <a:p>
@@ -3854,7 +3843,7 @@
               </a:defRPr>
             </a:pPr>
             <a:r>
-              <a:t>Education (Coursera, Google Classroom) and research (data analysis, ML, AI).</a:t>
+              <a:t>Performance concerns for applications requiring very high processing speed or low latency.</a:t>
             </a:r>
           </a:p>
         </p:txBody>
@@ -3900,7 +3889,7 @@
               </a:defRPr>
             </a:pPr>
             <a:r>
-              <a:t>Emerging Trends and Future Outlook</a:t>
+              <a:t>Applications and Future Outlook</a:t>
             </a:r>
           </a:p>
         </p:txBody>
@@ -3928,7 +3917,7 @@
               </a:defRPr>
             </a:pPr>
             <a:r>
-              <a:t>Growing use in AI and big data analytics, leveraging high-performance computing.</a:t>
+              <a:t>Common applications include data storage and backup (Google Drive, Dropbox).</a:t>
             </a:r>
           </a:p>
           <a:p>
@@ -3940,7 +3929,7 @@
               </a:defRPr>
             </a:pPr>
             <a:r>
-              <a:t>Edge computing processes data closer to the source, reducing latency for real-time decisions.</a:t>
+              <a:t>Used in business collaboration (Slack, Microsoft Teams) and entertainment (Netflix, Spotify).</a:t>
             </a:r>
           </a:p>
           <a:p>
@@ -3952,7 +3941,7 @@
               </a:defRPr>
             </a:pPr>
             <a:r>
-              <a:t>Future trends include multi-cloud strategies to avoid vendor lock-in.</a:t>
+              <a:t>Enables solutions in healthcare (EHR, telemedicine) and education (Coursera, Google Classroom).</a:t>
             </a:r>
           </a:p>
           <a:p>
@@ -3964,7 +3953,7 @@
               </a:defRPr>
             </a:pPr>
             <a:r>
-              <a:t>Serverless computing allows developers to focus solely on code.</a:t>
+              <a:t>Supports AI and big data analytics by providing high-performance computing resources.</a:t>
             </a:r>
           </a:p>
           <a:p>
@@ -3976,7 +3965,153 @@
               </a:defRPr>
             </a:pPr>
             <a:r>
-              <a:t>Continued focus on security, compliance, and integration with AI, blockchain, and 5G.</a:t>
+              <a:t>Emerging trends include edge computing, multi-cloud strategies, and serverless computing.</a:t>
+            </a:r>
+          </a:p>
+          <a:p>
+            <a:pPr>
+              <a:defRPr sz="2200">
+                <a:solidFill>
+                  <a:srgbClr val="003366"/>
+                </a:solidFill>
+              </a:defRPr>
+            </a:pPr>
+            <a:r>
+              <a:t>Future focus on enhanced security, compliance, and integration with AI, blockchain, and 5G.</a:t>
+            </a:r>
+          </a:p>
+        </p:txBody>
+      </p:sp>
+    </p:spTree>
+  </p:cSld>
+  <p:clrMapOvr>
+    <a:masterClrMapping/>
+  </p:clrMapOvr>
+</p:sld>
+</file>
+
+<file path=ppt/slides/slide9.xml><?xml version="1.0" encoding="utf-8"?>
+<p:sld xmlns:a="http://schemas.openxmlformats.org/drawingml/2006/main" xmlns:p="http://schemas.openxmlformats.org/presentationml/2006/main" xmlns:r="http://schemas.openxmlformats.org/officeDocument/2006/relationships">
+  <p:cSld>
+    <p:spTree>
+      <p:nvGrpSpPr>
+        <p:cNvPr id="1" name=""/>
+        <p:cNvGrpSpPr/>
+        <p:nvPr/>
+      </p:nvGrpSpPr>
+      <p:grpSpPr/>
+      <p:sp>
+        <p:nvSpPr>
+          <p:cNvPr id="2" name="Title 1"/>
+          <p:cNvSpPr>
+            <a:spLocks noGrp="1"/>
+          </p:cNvSpPr>
+          <p:nvPr>
+            <p:ph type="title"/>
+          </p:nvPr>
+        </p:nvSpPr>
+        <p:spPr/>
+        <p:txBody>
+          <a:bodyPr/>
+          <a:lstStyle/>
+          <a:p>
+            <a:pPr algn="l">
+              <a:defRPr sz="3200" b="1">
+                <a:solidFill>
+                  <a:srgbClr val="000000"/>
+                </a:solidFill>
+              </a:defRPr>
+            </a:pPr>
+            <a:r>
+              <a:t>Summary of Key Takeaways</a:t>
+            </a:r>
+          </a:p>
+        </p:txBody>
+      </p:sp>
+      <p:sp>
+        <p:nvSpPr>
+          <p:cNvPr id="3" name="Content Placeholder 2"/>
+          <p:cNvSpPr>
+            <a:spLocks noGrp="1"/>
+          </p:cNvSpPr>
+          <p:nvPr>
+            <p:ph idx="1"/>
+          </p:nvPr>
+        </p:nvSpPr>
+        <p:spPr/>
+        <p:txBody>
+          <a:bodyPr/>
+          <a:lstStyle/>
+          <a:p>
+            <a:pPr>
+              <a:defRPr sz="2200">
+                <a:solidFill>
+                  <a:srgbClr val="003366"/>
+                </a:solidFill>
+              </a:defRPr>
+            </a:pPr>
+            <a:r>
+              <a:t>Cloud computing delivers services over the internet, offering flexibility, scalability, and cost savings.</a:t>
+            </a:r>
+          </a:p>
+          <a:p>
+            <a:pPr>
+              <a:defRPr sz="2200">
+                <a:solidFill>
+                  <a:srgbClr val="003366"/>
+                </a:solidFill>
+              </a:defRPr>
+            </a:pPr>
+            <a:r>
+              <a:t>It features three main service models (IaaS, PaaS, SaaS) and four deployment models (public, private, hybrid, community).</a:t>
+            </a:r>
+          </a:p>
+          <a:p>
+            <a:pPr>
+              <a:defRPr sz="2200">
+                <a:solidFill>
+                  <a:srgbClr val="003366"/>
+                </a:solidFill>
+              </a:defRPr>
+            </a:pPr>
+            <a:r>
+              <a:t>Benefits include reduced cost, flexibility, scalability, and reliability.</a:t>
+            </a:r>
+          </a:p>
+          <a:p>
+            <a:pPr>
+              <a:defRPr sz="2200">
+                <a:solidFill>
+                  <a:srgbClr val="003366"/>
+                </a:solidFill>
+              </a:defRPr>
+            </a:pPr>
+            <a:r>
+              <a:t>Challenges involve security, downtime, compliance, and vendor lock-in.</a:t>
+            </a:r>
+          </a:p>
+          <a:p>
+            <a:pPr>
+              <a:defRPr sz="2200">
+                <a:solidFill>
+                  <a:srgbClr val="003366"/>
+                </a:solidFill>
+              </a:defRPr>
+            </a:pPr>
+            <a:r>
+              <a:t>Cloud computing has numerous real-world applications across various sectors.</a:t>
+            </a:r>
+          </a:p>
+          <a:p>
+            <a:pPr>
+              <a:defRPr sz="2200">
+                <a:solidFill>
+                  <a:srgbClr val="003366"/>
+                </a:solidFill>
+              </a:defRPr>
+            </a:pPr>
+            <a:r>
+              <a:t>Future trends like multi-cloud and serverless computing will continue to shape the technology.</a:t>
             </a:r>
           </a:p>
         </p:txBody>
